--- a/1. First-Steps-in-Coding/1. First-Steps-in-Coding.pptx
+++ b/1. First-Steps-in-Coding/1. First-Steps-in-Coding.pptx
@@ -244,7 +244,7 @@
             <a:fld id="{FE5B4EDC-59C0-49C7-8ADA-5A781B329E02}" type="datetimeFigureOut">
               <a:rPr lang="en-US"/>
               <a:pPr/>
-              <a:t>2/6/2017</a:t>
+              <a:t>2/10/2017</a:t>
             </a:fld>
             <a:endParaRPr dirty="0"/>
           </a:p>
@@ -443,7 +443,7 @@
             <a:fld id="{F2D8D46A-B586-417D-BFBD-8C8FE0AAF762}" type="datetimeFigureOut">
               <a:rPr lang="en-US" smtClean="0"/>
               <a:pPr/>
-              <a:t>2/6/2017</a:t>
+              <a:t>2/10/2017</a:t>
             </a:fld>
             <a:endParaRPr lang="en-US"/>
           </a:p>
@@ -2600,7 +2600,7 @@
             <a:fld id="{055373AC-9AA7-423B-BA00-BA1C74164DBD}" type="datetime1">
               <a:rPr lang="en-US" smtClean="0"/>
               <a:pPr/>
-              <a:t>2/6/2017</a:t>
+              <a:t>2/10/2017</a:t>
             </a:fld>
             <a:endParaRPr lang="en-US" dirty="0"/>
           </a:p>
@@ -3767,7 +3767,7 @@
                 </a:solidFill>
               </a:rPr>
               <a:pPr/>
-              <a:t>2/6/2017</a:t>
+              <a:t>2/10/2017</a:t>
             </a:fld>
             <a:endParaRPr lang="en-US" dirty="0">
               <a:solidFill>
@@ -5049,7 +5049,7 @@
             <a:fld id="{055373AC-9AA7-423B-BA00-BA1C74164DBD}" type="datetime1">
               <a:rPr lang="en-US" smtClean="0"/>
               <a:pPr/>
-              <a:t>2/6/2017</a:t>
+              <a:t>2/10/2017</a:t>
             </a:fld>
             <a:endParaRPr lang="en-US" dirty="0"/>
           </a:p>
@@ -5682,7 +5682,7 @@
                 </a:solidFill>
               </a:rPr>
               <a:pPr/>
-              <a:t>2/6/2017</a:t>
+              <a:t>2/10/2017</a:t>
             </a:fld>
             <a:endParaRPr lang="en-US" dirty="0">
               <a:solidFill>
@@ -7098,7 +7098,7 @@
                 <a:latin typeface="Consolas" pitchFamily="49" charset="0"/>
                 <a:cs typeface="Consolas" pitchFamily="49" charset="0"/>
               </a:rPr>
-              <a:t>print("Hello Python!")</a:t>
+              <a:t>print('Hello')</a:t>
             </a:r>
             <a:endParaRPr lang="en-US" sz="2800" b="1" noProof="1">
               <a:solidFill>
@@ -7119,7 +7119,7 @@
       </p:sp>
       <p:pic>
         <p:nvPicPr>
-          <p:cNvPr id="5" name="Картина 4"/>
+          <p:cNvPr id="6" name="Картина 5"/>
           <p:cNvPicPr>
             <a:picLocks noChangeAspect="1"/>
           </p:cNvPicPr>
@@ -7139,8 +7139,8 @@
         </p:blipFill>
         <p:spPr>
           <a:xfrm>
-            <a:off x="1674812" y="1906765"/>
-            <a:ext cx="8534400" cy="4548348"/>
+            <a:off x="1522412" y="1895433"/>
+            <a:ext cx="8686800" cy="4629569"/>
           </a:xfrm>
           <a:prstGeom prst="rect">
             <a:avLst/>
@@ -7362,8 +7362,8 @@
         </p:blipFill>
         <p:spPr>
           <a:xfrm>
-            <a:off x="1217612" y="4214243"/>
-            <a:ext cx="10058400" cy="1671490"/>
+            <a:off x="1217615" y="4214243"/>
+            <a:ext cx="10058394" cy="1671490"/>
           </a:xfrm>
           <a:prstGeom prst="rect">
             <a:avLst/>
@@ -7532,24 +7532,27 @@
       </p:sp>
       <p:pic>
         <p:nvPicPr>
-          <p:cNvPr id="7" name="Picture 6">
-            <a:hlinkClick r:id="rId2"/>
-          </p:cNvPr>
+          <p:cNvPr id="5" name="Картина 4"/>
           <p:cNvPicPr>
             <a:picLocks noChangeAspect="1"/>
           </p:cNvPicPr>
           <p:nvPr/>
         </p:nvPicPr>
-        <p:blipFill>
-          <a:blip r:embed="rId3"/>
-          <a:stretch>
-            <a:fillRect/>
-          </a:stretch>
+        <p:blipFill rotWithShape="1">
+          <a:blip r:embed="rId3" cstate="print">
+            <a:extLst>
+              <a:ext uri="{28A0092B-C50C-407E-A947-70E740481C1C}">
+                <a14:useLocalDpi xmlns:a14="http://schemas.microsoft.com/office/drawing/2010/main" val="0"/>
+              </a:ext>
+            </a:extLst>
+          </a:blip>
+          <a:srcRect b="5828"/>
+          <a:stretch/>
         </p:blipFill>
         <p:spPr>
           <a:xfrm>
-            <a:off x="2578097" y="2667000"/>
-            <a:ext cx="7029454" cy="3735932"/>
+            <a:off x="2284412" y="2514600"/>
+            <a:ext cx="7297775" cy="3657600"/>
           </a:xfrm>
           <a:prstGeom prst="rect">
             <a:avLst/>
@@ -7710,8 +7713,37 @@
         </p:blipFill>
         <p:spPr>
           <a:xfrm>
-            <a:off x="3089274" y="1371600"/>
-            <a:ext cx="8905875" cy="762000"/>
+            <a:off x="2741612" y="1156926"/>
+            <a:ext cx="9220200" cy="990600"/>
+          </a:xfrm>
+          <a:prstGeom prst="rect">
+            <a:avLst/>
+          </a:prstGeom>
+        </p:spPr>
+      </p:pic>
+      <p:pic>
+        <p:nvPicPr>
+          <p:cNvPr id="6" name="Картина 5"/>
+          <p:cNvPicPr>
+            <a:picLocks noChangeAspect="1"/>
+          </p:cNvPicPr>
+          <p:nvPr/>
+        </p:nvPicPr>
+        <p:blipFill rotWithShape="1">
+          <a:blip r:embed="rId4" cstate="print">
+            <a:extLst>
+              <a:ext uri="{28A0092B-C50C-407E-A947-70E740481C1C}">
+                <a14:useLocalDpi xmlns:a14="http://schemas.microsoft.com/office/drawing/2010/main" val="0"/>
+              </a:ext>
+            </a:extLst>
+          </a:blip>
+          <a:srcRect b="5828"/>
+          <a:stretch/>
+        </p:blipFill>
+        <p:spPr>
+          <a:xfrm>
+            <a:off x="4341812" y="1652226"/>
+            <a:ext cx="6200940" cy="3107873"/>
           </a:xfrm>
           <a:prstGeom prst="rect">
             <a:avLst/>
@@ -8191,41 +8223,7 @@
                 <a:latin typeface="Consolas" pitchFamily="49" charset="0"/>
                 <a:cs typeface="Consolas" pitchFamily="49" charset="0"/>
               </a:rPr>
-              <a:t>'Hello </a:t>
-            </a:r>
-            <a:r>
-              <a:rPr lang="en-US" b="1" noProof="1">
-                <a:solidFill>
-                  <a:srgbClr val="FBEEDC"/>
-                </a:solidFill>
-                <a:effectLst>
-                  <a:outerShdw blurRad="38100" dist="38100" dir="2700000" algn="tl">
-                    <a:srgbClr val="000000">
-                      <a:alpha val="43137"/>
-                    </a:srgbClr>
-                  </a:outerShdw>
-                </a:effectLst>
-                <a:latin typeface="Consolas" pitchFamily="49" charset="0"/>
-                <a:cs typeface="Consolas" pitchFamily="49" charset="0"/>
-              </a:rPr>
-              <a:t>Python</a:t>
-            </a:r>
-            <a:r>
-              <a:rPr lang="en-US" b="1" noProof="1" smtClean="0">
-                <a:solidFill>
-                  <a:srgbClr val="FBEEDC"/>
-                </a:solidFill>
-                <a:effectLst>
-                  <a:outerShdw blurRad="38100" dist="38100" dir="2700000" algn="tl">
-                    <a:srgbClr val="000000">
-                      <a:alpha val="43137"/>
-                    </a:srgbClr>
-                  </a:outerShdw>
-                </a:effectLst>
-                <a:latin typeface="Consolas" pitchFamily="49" charset="0"/>
-                <a:cs typeface="Consolas" pitchFamily="49" charset="0"/>
-              </a:rPr>
-              <a:t>!')</a:t>
+              <a:t>'Hello')</a:t>
             </a:r>
             <a:endParaRPr lang="en-US" b="1" noProof="1">
               <a:solidFill>
@@ -8301,12 +8299,22 @@
         </p:nvSpPr>
         <p:spPr/>
         <p:txBody>
-          <a:bodyPr/>
+          <a:bodyPr>
+            <a:normAutofit/>
+          </a:bodyPr>
           <a:lstStyle/>
           <a:p>
             <a:r>
               <a:rPr lang="bg-BG" dirty="0"/>
-              <a:t>Първи стъпки в кодирането</a:t>
+              <a:t>Първи стъпки </a:t>
+            </a:r>
+            <a:r>
+              <a:rPr lang="bg-BG"/>
+              <a:t>в </a:t>
+            </a:r>
+            <a:r>
+              <a:rPr lang="bg-BG" smtClean="0"/>
+              <a:t>програмирането</a:t>
             </a:r>
             <a:endParaRPr lang="en-US" dirty="0"/>
           </a:p>
@@ -8771,7 +8779,7 @@
             </a:r>
             <a:r>
               <a:rPr lang="en-US" dirty="0" smtClean="0"/>
-              <a:t>"</a:t>
+              <a:t>'</a:t>
             </a:r>
             <a:r>
               <a:rPr lang="en-US" dirty="0" smtClean="0">
@@ -8811,7 +8819,7 @@
             </a:r>
             <a:r>
               <a:rPr lang="en-US" dirty="0" smtClean="0"/>
-              <a:t>"</a:t>
+              <a:t>'</a:t>
             </a:r>
             <a:endParaRPr lang="bg-BG" dirty="0" smtClean="0"/>
           </a:p>
@@ -9017,7 +9025,7 @@
             </a:pPr>
             <a:r>
               <a:rPr lang="bg-BG" sz="3200" dirty="0" smtClean="0"/>
-              <a:t>Фондация "Софтуерен университет" </a:t>
+              <a:t>Фондация 'Софтуерен университет' </a:t>
             </a:r>
             <a:r>
               <a:rPr lang="en-US" sz="3200" dirty="0" smtClean="0"/>
@@ -9506,8 +9514,8 @@
         </p:nvSpPr>
         <p:spPr>
           <a:xfrm>
-            <a:off x="190414" y="1191467"/>
-            <a:ext cx="8570998" cy="5530010"/>
+            <a:off x="187227" y="1752600"/>
+            <a:ext cx="8570998" cy="4218733"/>
           </a:xfrm>
         </p:spPr>
         <p:txBody>
@@ -9586,28 +9594,6 @@
             <a:r>
               <a:rPr lang="bg-BG" dirty="0" smtClean="0"/>
               <a:t>системата</a:t>
-            </a:r>
-            <a:endParaRPr lang="en-US" dirty="0"/>
-          </a:p>
-          <a:p>
-            <a:pPr marL="514350" lvl="0" indent="-514350">
-              <a:buFont typeface="+mj-lt"/>
-              <a:buAutoNum type="arabicPeriod"/>
-            </a:pPr>
-            <a:r>
-              <a:rPr lang="bg-BG" dirty="0" smtClean="0"/>
-              <a:t>Да напишем графична програма</a:t>
-            </a:r>
-            <a:endParaRPr lang="en-US" dirty="0"/>
-          </a:p>
-          <a:p>
-            <a:pPr marL="514350" lvl="0" indent="-514350">
-              <a:buFont typeface="+mj-lt"/>
-              <a:buAutoNum type="arabicPeriod"/>
-            </a:pPr>
-            <a:r>
-              <a:rPr lang="bg-BG" dirty="0" smtClean="0"/>
-              <a:t>Да напишем уеб приложение</a:t>
             </a:r>
             <a:endParaRPr lang="en-US" dirty="0"/>
           </a:p>
@@ -9745,7 +9731,7 @@
             </a:br>
             <a:r>
               <a:rPr lang="bg-BG" dirty="0" smtClean="0"/>
-              <a:t>"да програмираме"?</a:t>
+              <a:t>'да програмираме'?</a:t>
             </a:r>
             <a:endParaRPr lang="en-US" dirty="0"/>
           </a:p>
@@ -9927,8 +9913,13 @@
           <a:p>
             <a:r>
               <a:rPr lang="bg-BG" dirty="0"/>
-              <a:t>Какво означава "програмиране"?</a:t>
-            </a:r>
+              <a:t>Какво означава </a:t>
+            </a:r>
+            <a:r>
+              <a:rPr lang="bg-BG" dirty="0" smtClean="0"/>
+              <a:t>'програмиране'?</a:t>
+            </a:r>
+            <a:endParaRPr lang="bg-BG" dirty="0"/>
           </a:p>
         </p:txBody>
       </p:sp>
@@ -9961,7 +9952,7 @@
             </a:pPr>
             <a:r>
               <a:rPr lang="bg-BG" dirty="0" smtClean="0"/>
-              <a:t>Да "</a:t>
+              <a:t>Да '</a:t>
             </a:r>
             <a:r>
               <a:rPr lang="bg-BG" dirty="0" smtClean="0">
@@ -9975,7 +9966,7 @@
             </a:r>
             <a:r>
               <a:rPr lang="bg-BG" dirty="0" smtClean="0"/>
-              <a:t>" означава да даваме</a:t>
+              <a:t>' означава да даваме</a:t>
             </a:r>
             <a:r>
               <a:rPr lang="en-US" dirty="0" smtClean="0"/>
@@ -10016,7 +10007,7 @@
             </a:pPr>
             <a:r>
               <a:rPr lang="bg-BG" dirty="0" smtClean="0"/>
-              <a:t>Така те образуват "</a:t>
+              <a:t>Така те образуват '</a:t>
             </a:r>
             <a:r>
               <a:rPr lang="bg-BG" dirty="0" smtClean="0">
@@ -10030,7 +10021,7 @@
             </a:r>
             <a:r>
               <a:rPr lang="bg-BG" dirty="0" smtClean="0"/>
-              <a:t>"</a:t>
+              <a:t>'</a:t>
             </a:r>
           </a:p>
           <a:p>
@@ -10128,8 +10119,12 @@
               <a:t>(например </a:t>
             </a:r>
             <a:r>
+              <a:rPr lang="en-US" dirty="0" err="1" smtClean="0"/>
+              <a:t>PyCharm</a:t>
+            </a:r>
+            <a:r>
               <a:rPr lang="en-US" dirty="0" smtClean="0"/>
-              <a:t>Visual Studio)</a:t>
+              <a:t>)</a:t>
             </a:r>
             <a:endParaRPr lang="bg-BG" dirty="0" smtClean="0"/>
           </a:p>

--- a/1. First-Steps-in-Coding/1. First-Steps-in-Coding.pptx
+++ b/1. First-Steps-in-Coding/1. First-Steps-in-Coding.pptx
@@ -244,7 +244,7 @@
             <a:fld id="{FE5B4EDC-59C0-49C7-8ADA-5A781B329E02}" type="datetimeFigureOut">
               <a:rPr lang="en-US"/>
               <a:pPr/>
-              <a:t>2/10/2017</a:t>
+              <a:t>2/19/2017</a:t>
             </a:fld>
             <a:endParaRPr dirty="0"/>
           </a:p>
@@ -443,7 +443,7 @@
             <a:fld id="{F2D8D46A-B586-417D-BFBD-8C8FE0AAF762}" type="datetimeFigureOut">
               <a:rPr lang="en-US" smtClean="0"/>
               <a:pPr/>
-              <a:t>2/10/2017</a:t>
+              <a:t>2/19/2017</a:t>
             </a:fld>
             <a:endParaRPr lang="en-US"/>
           </a:p>
@@ -2600,7 +2600,7 @@
             <a:fld id="{055373AC-9AA7-423B-BA00-BA1C74164DBD}" type="datetime1">
               <a:rPr lang="en-US" smtClean="0"/>
               <a:pPr/>
-              <a:t>2/10/2017</a:t>
+              <a:t>2/19/2017</a:t>
             </a:fld>
             <a:endParaRPr lang="en-US" dirty="0"/>
           </a:p>
@@ -3767,7 +3767,7 @@
                 </a:solidFill>
               </a:rPr>
               <a:pPr/>
-              <a:t>2/10/2017</a:t>
+              <a:t>2/19/2017</a:t>
             </a:fld>
             <a:endParaRPr lang="en-US" dirty="0">
               <a:solidFill>
@@ -5049,7 +5049,7 @@
             <a:fld id="{055373AC-9AA7-423B-BA00-BA1C74164DBD}" type="datetime1">
               <a:rPr lang="en-US" smtClean="0"/>
               <a:pPr/>
-              <a:t>2/10/2017</a:t>
+              <a:t>2/19/2017</a:t>
             </a:fld>
             <a:endParaRPr lang="en-US" dirty="0"/>
           </a:p>
@@ -5682,7 +5682,7 @@
                 </a:solidFill>
               </a:rPr>
               <a:pPr/>
-              <a:t>2/10/2017</a:t>
+              <a:t>2/19/2017</a:t>
             </a:fld>
             <a:endParaRPr lang="en-US" dirty="0">
               <a:solidFill>
@@ -11094,7 +11094,13 @@
               <a:rPr lang="bg-BG" noProof="1" smtClean="0">
                 <a:latin typeface="Consolas" panose="020B0609020204030204" pitchFamily="49" charset="0"/>
               </a:rPr>
-              <a:t>инзпълнява програмата</a:t>
+              <a:t>изпълнява </a:t>
+            </a:r>
+            <a:r>
+              <a:rPr lang="bg-BG" noProof="1" smtClean="0">
+                <a:latin typeface="Consolas" panose="020B0609020204030204" pitchFamily="49" charset="0"/>
+              </a:rPr>
+              <a:t>програмата</a:t>
             </a:r>
             <a:endParaRPr lang="en-US" dirty="0">
               <a:latin typeface="Consolas" panose="020B0609020204030204" pitchFamily="49" charset="0"/>

--- a/1. First-Steps-in-Coding/1. First-Steps-in-Coding.pptx
+++ b/1. First-Steps-in-Coding/1. First-Steps-in-Coding.pptx
@@ -244,7 +244,7 @@
             <a:fld id="{FE5B4EDC-59C0-49C7-8ADA-5A781B329E02}" type="datetimeFigureOut">
               <a:rPr lang="en-US"/>
               <a:pPr/>
-              <a:t>2/19/2017</a:t>
+              <a:t>2/20/2017</a:t>
             </a:fld>
             <a:endParaRPr dirty="0"/>
           </a:p>
@@ -443,7 +443,7 @@
             <a:fld id="{F2D8D46A-B586-417D-BFBD-8C8FE0AAF762}" type="datetimeFigureOut">
               <a:rPr lang="en-US" smtClean="0"/>
               <a:pPr/>
-              <a:t>2/19/2017</a:t>
+              <a:t>2/20/2017</a:t>
             </a:fld>
             <a:endParaRPr lang="en-US"/>
           </a:p>
@@ -2600,7 +2600,7 @@
             <a:fld id="{055373AC-9AA7-423B-BA00-BA1C74164DBD}" type="datetime1">
               <a:rPr lang="en-US" smtClean="0"/>
               <a:pPr/>
-              <a:t>2/19/2017</a:t>
+              <a:t>2/20/2017</a:t>
             </a:fld>
             <a:endParaRPr lang="en-US" dirty="0"/>
           </a:p>
@@ -3767,7 +3767,7 @@
                 </a:solidFill>
               </a:rPr>
               <a:pPr/>
-              <a:t>2/19/2017</a:t>
+              <a:t>2/20/2017</a:t>
             </a:fld>
             <a:endParaRPr lang="en-US" dirty="0">
               <a:solidFill>
@@ -5049,7 +5049,7 @@
             <a:fld id="{055373AC-9AA7-423B-BA00-BA1C74164DBD}" type="datetime1">
               <a:rPr lang="en-US" smtClean="0"/>
               <a:pPr/>
-              <a:t>2/19/2017</a:t>
+              <a:t>2/20/2017</a:t>
             </a:fld>
             <a:endParaRPr lang="en-US" dirty="0"/>
           </a:p>
@@ -5682,7 +5682,7 @@
                 </a:solidFill>
               </a:rPr>
               <a:pPr/>
-              <a:t>2/19/2017</a:t>
+              <a:t>2/20/2017</a:t>
             </a:fld>
             <a:endParaRPr lang="en-US" dirty="0">
               <a:solidFill>
@@ -6338,7 +6338,11 @@
           <a:p>
             <a:r>
               <a:rPr lang="bg-BG" dirty="0" smtClean="0"/>
-              <a:t>Да напишем първата си програма със </a:t>
+              <a:t>Да напишем първата си програма </a:t>
+            </a:r>
+            <a:r>
+              <a:rPr lang="bg-BG" dirty="0" smtClean="0"/>
+              <a:t>с </a:t>
             </a:r>
             <a:r>
               <a:rPr lang="en-US" dirty="0" smtClean="0"/>
@@ -9541,7 +9545,15 @@
             </a:pPr>
             <a:r>
               <a:rPr lang="bg-BG" dirty="0" smtClean="0"/>
-              <a:t>Първа програмка със </a:t>
+              <a:t>Първа </a:t>
+            </a:r>
+            <a:r>
+              <a:rPr lang="bg-BG" smtClean="0"/>
+              <a:t>програмка </a:t>
+            </a:r>
+            <a:r>
+              <a:rPr lang="bg-BG" smtClean="0"/>
+              <a:t>с </a:t>
             </a:r>
             <a:r>
               <a:rPr lang="en-US" dirty="0" smtClean="0"/>
@@ -11094,13 +11106,7 @@
               <a:rPr lang="bg-BG" noProof="1" smtClean="0">
                 <a:latin typeface="Consolas" panose="020B0609020204030204" pitchFamily="49" charset="0"/>
               </a:rPr>
-              <a:t>изпълнява </a:t>
-            </a:r>
-            <a:r>
-              <a:rPr lang="bg-BG" noProof="1" smtClean="0">
-                <a:latin typeface="Consolas" panose="020B0609020204030204" pitchFamily="49" charset="0"/>
-              </a:rPr>
-              <a:t>програмата</a:t>
+              <a:t>изпълнява програмата</a:t>
             </a:r>
             <a:endParaRPr lang="en-US" dirty="0">
               <a:latin typeface="Consolas" panose="020B0609020204030204" pitchFamily="49" charset="0"/>

--- a/1. First-Steps-in-Coding/1. First-Steps-in-Coding.pptx
+++ b/1. First-Steps-in-Coding/1. First-Steps-in-Coding.pptx
@@ -244,7 +244,7 @@
             <a:fld id="{FE5B4EDC-59C0-49C7-8ADA-5A781B329E02}" type="datetimeFigureOut">
               <a:rPr lang="en-US"/>
               <a:pPr/>
-              <a:t>2/20/2017</a:t>
+              <a:t>2/28/2017</a:t>
             </a:fld>
             <a:endParaRPr dirty="0"/>
           </a:p>
@@ -443,7 +443,7 @@
             <a:fld id="{F2D8D46A-B586-417D-BFBD-8C8FE0AAF762}" type="datetimeFigureOut">
               <a:rPr lang="en-US" smtClean="0"/>
               <a:pPr/>
-              <a:t>2/20/2017</a:t>
+              <a:t>2/28/2017</a:t>
             </a:fld>
             <a:endParaRPr lang="en-US"/>
           </a:p>
@@ -2600,7 +2600,7 @@
             <a:fld id="{055373AC-9AA7-423B-BA00-BA1C74164DBD}" type="datetime1">
               <a:rPr lang="en-US" smtClean="0"/>
               <a:pPr/>
-              <a:t>2/20/2017</a:t>
+              <a:t>2/28/2017</a:t>
             </a:fld>
             <a:endParaRPr lang="en-US" dirty="0"/>
           </a:p>
@@ -3767,7 +3767,7 @@
                 </a:solidFill>
               </a:rPr>
               <a:pPr/>
-              <a:t>2/20/2017</a:t>
+              <a:t>2/28/2017</a:t>
             </a:fld>
             <a:endParaRPr lang="en-US" dirty="0">
               <a:solidFill>
@@ -5049,7 +5049,7 @@
             <a:fld id="{055373AC-9AA7-423B-BA00-BA1C74164DBD}" type="datetime1">
               <a:rPr lang="en-US" smtClean="0"/>
               <a:pPr/>
-              <a:t>2/20/2017</a:t>
+              <a:t>2/28/2017</a:t>
             </a:fld>
             <a:endParaRPr lang="en-US" dirty="0"/>
           </a:p>
@@ -5682,7 +5682,7 @@
                 </a:solidFill>
               </a:rPr>
               <a:pPr/>
-              <a:t>2/20/2017</a:t>
+              <a:t>2/28/2017</a:t>
             </a:fld>
             <a:endParaRPr lang="en-US" dirty="0">
               <a:solidFill>
@@ -6338,11 +6338,7 @@
           <a:p>
             <a:r>
               <a:rPr lang="bg-BG" dirty="0" smtClean="0"/>
-              <a:t>Да напишем първата си програма </a:t>
-            </a:r>
-            <a:r>
-              <a:rPr lang="bg-BG" dirty="0" smtClean="0"/>
-              <a:t>с </a:t>
+              <a:t>Да напишем първата си програма с </a:t>
             </a:r>
             <a:r>
               <a:rPr lang="en-US" dirty="0" smtClean="0"/>
@@ -6902,8 +6898,8 @@
         </p:blipFill>
         <p:spPr>
           <a:xfrm>
-            <a:off x="4332280" y="1891115"/>
-            <a:ext cx="7696200" cy="4090367"/>
+            <a:off x="4342852" y="1891115"/>
+            <a:ext cx="7675056" cy="4090367"/>
           </a:xfrm>
           <a:prstGeom prst="rect">
             <a:avLst/>
@@ -7144,7 +7140,7 @@
         <p:spPr>
           <a:xfrm>
             <a:off x="1522412" y="1895433"/>
-            <a:ext cx="8686800" cy="4629569"/>
+            <a:ext cx="8686800" cy="4629568"/>
           </a:xfrm>
           <a:prstGeom prst="rect">
             <a:avLst/>
@@ -7336,8 +7332,8 @@
         </p:blipFill>
         <p:spPr>
           <a:xfrm>
-            <a:off x="5316428" y="2085862"/>
-            <a:ext cx="1552792" cy="809738"/>
+            <a:off x="5342896" y="2085862"/>
+            <a:ext cx="1499855" cy="809738"/>
           </a:xfrm>
           <a:prstGeom prst="rect">
             <a:avLst/>
@@ -7352,22 +7348,21 @@
           </p:cNvPicPr>
           <p:nvPr/>
         </p:nvPicPr>
-        <p:blipFill>
-          <a:blip r:embed="rId3">
+        <p:blipFill rotWithShape="1">
+          <a:blip r:embed="rId3" cstate="print">
             <a:extLst>
               <a:ext uri="{28A0092B-C50C-407E-A947-70E740481C1C}">
                 <a14:useLocalDpi xmlns:a14="http://schemas.microsoft.com/office/drawing/2010/main" val="0"/>
               </a:ext>
             </a:extLst>
           </a:blip>
-          <a:stretch>
-            <a:fillRect/>
-          </a:stretch>
+          <a:srcRect/>
+          <a:stretch/>
         </p:blipFill>
         <p:spPr>
           <a:xfrm>
-            <a:off x="1217615" y="4214243"/>
-            <a:ext cx="10058394" cy="1671490"/>
+            <a:off x="2513012" y="4267200"/>
+            <a:ext cx="7543801" cy="1571628"/>
           </a:xfrm>
           <a:prstGeom prst="rect">
             <a:avLst/>
@@ -7550,7 +7545,7 @@
               </a:ext>
             </a:extLst>
           </a:blip>
-          <a:srcRect b="5828"/>
+          <a:srcRect/>
           <a:stretch/>
         </p:blipFill>
         <p:spPr>
@@ -7712,13 +7707,13 @@
               </a:ext>
             </a:extLst>
           </a:blip>
-          <a:srcRect/>
+          <a:srcRect t="29364" r="72727"/>
           <a:stretch/>
         </p:blipFill>
         <p:spPr>
           <a:xfrm>
-            <a:off x="2741612" y="1156926"/>
-            <a:ext cx="9220200" cy="990600"/>
+            <a:off x="7618412" y="856050"/>
+            <a:ext cx="2514600" cy="699726"/>
           </a:xfrm>
           <a:prstGeom prst="rect">
             <a:avLst/>
@@ -7741,7 +7736,7 @@
               </a:ext>
             </a:extLst>
           </a:blip>
-          <a:srcRect b="5828"/>
+          <a:srcRect/>
           <a:stretch/>
         </p:blipFill>
         <p:spPr>
@@ -9549,11 +9544,7 @@
             </a:r>
             <a:r>
               <a:rPr lang="bg-BG" smtClean="0"/>
-              <a:t>програмка </a:t>
-            </a:r>
-            <a:r>
-              <a:rPr lang="bg-BG" smtClean="0"/>
-              <a:t>с </a:t>
+              <a:t>програмка с </a:t>
             </a:r>
             <a:r>
               <a:rPr lang="en-US" dirty="0" smtClean="0"/>
@@ -11273,13 +11264,13 @@
               </a:ext>
             </a:extLst>
           </a:blip>
-          <a:srcRect/>
+          <a:srcRect t="24013" r="73619"/>
           <a:stretch/>
         </p:blipFill>
         <p:spPr>
           <a:xfrm>
-            <a:off x="287153" y="2286000"/>
-            <a:ext cx="11614520" cy="951988"/>
+            <a:off x="3114583" y="2286000"/>
+            <a:ext cx="5959659" cy="1407005"/>
           </a:xfrm>
           <a:prstGeom prst="rect">
             <a:avLst/>
@@ -11834,21 +11825,22 @@
           </p:cNvPicPr>
           <p:nvPr/>
         </p:nvPicPr>
-        <p:blipFill rotWithShape="1">
-          <a:blip r:embed="rId2" cstate="print">
+        <p:blipFill>
+          <a:blip r:embed="rId2">
             <a:extLst>
               <a:ext uri="{28A0092B-C50C-407E-A947-70E740481C1C}">
                 <a14:useLocalDpi xmlns:a14="http://schemas.microsoft.com/office/drawing/2010/main" val="0"/>
               </a:ext>
             </a:extLst>
           </a:blip>
-          <a:srcRect t="1" b="765"/>
-          <a:stretch/>
+          <a:stretch>
+            <a:fillRect/>
+          </a:stretch>
         </p:blipFill>
         <p:spPr>
           <a:xfrm>
-            <a:off x="5637212" y="1894347"/>
-            <a:ext cx="6287377" cy="1361301"/>
+            <a:off x="4951412" y="1618702"/>
+            <a:ext cx="6925652" cy="1145257"/>
           </a:xfrm>
           <a:prstGeom prst="rect">
             <a:avLst/>
@@ -11877,8 +11869,38 @@
         </p:blipFill>
         <p:spPr>
           <a:xfrm>
-            <a:off x="6231668" y="3818734"/>
-            <a:ext cx="5334744" cy="2238687"/>
+            <a:off x="6089682" y="3062608"/>
+            <a:ext cx="5505622" cy="1950508"/>
+          </a:xfrm>
+          <a:prstGeom prst="rect">
+            <a:avLst/>
+          </a:prstGeom>
+        </p:spPr>
+      </p:pic>
+      <p:pic>
+        <p:nvPicPr>
+          <p:cNvPr id="5" name="Картина 4"/>
+          <p:cNvPicPr>
+            <a:picLocks noChangeAspect="1"/>
+          </p:cNvPicPr>
+          <p:nvPr/>
+        </p:nvPicPr>
+        <p:blipFill>
+          <a:blip r:embed="rId4">
+            <a:extLst>
+              <a:ext uri="{28A0092B-C50C-407E-A947-70E740481C1C}">
+                <a14:useLocalDpi xmlns:a14="http://schemas.microsoft.com/office/drawing/2010/main" val="0"/>
+              </a:ext>
+            </a:extLst>
+          </a:blip>
+          <a:stretch>
+            <a:fillRect/>
+          </a:stretch>
+        </p:blipFill>
+        <p:spPr>
+          <a:xfrm>
+            <a:off x="7618412" y="5337891"/>
+            <a:ext cx="3009640" cy="1298620"/>
           </a:xfrm>
           <a:prstGeom prst="rect">
             <a:avLst/>

--- a/1. First-Steps-in-Coding/1. First-Steps-in-Coding.pptx
+++ b/1. First-Steps-in-Coding/1. First-Steps-in-Coding.pptx
@@ -244,7 +244,7 @@
             <a:fld id="{FE5B4EDC-59C0-49C7-8ADA-5A781B329E02}" type="datetimeFigureOut">
               <a:rPr lang="en-US"/>
               <a:pPr/>
-              <a:t>2/28/2017</a:t>
+              <a:t>3/29/2017</a:t>
             </a:fld>
             <a:endParaRPr dirty="0"/>
           </a:p>
@@ -443,7 +443,7 @@
             <a:fld id="{F2D8D46A-B586-417D-BFBD-8C8FE0AAF762}" type="datetimeFigureOut">
               <a:rPr lang="en-US" smtClean="0"/>
               <a:pPr/>
-              <a:t>2/28/2017</a:t>
+              <a:t>3/29/2017</a:t>
             </a:fld>
             <a:endParaRPr lang="en-US"/>
           </a:p>
@@ -2600,7 +2600,7 @@
             <a:fld id="{055373AC-9AA7-423B-BA00-BA1C74164DBD}" type="datetime1">
               <a:rPr lang="en-US" smtClean="0"/>
               <a:pPr/>
-              <a:t>2/28/2017</a:t>
+              <a:t>3/29/2017</a:t>
             </a:fld>
             <a:endParaRPr lang="en-US" dirty="0"/>
           </a:p>
@@ -3767,7 +3767,7 @@
                 </a:solidFill>
               </a:rPr>
               <a:pPr/>
-              <a:t>2/28/2017</a:t>
+              <a:t>3/29/2017</a:t>
             </a:fld>
             <a:endParaRPr lang="en-US" dirty="0">
               <a:solidFill>
@@ -5049,7 +5049,7 @@
             <a:fld id="{055373AC-9AA7-423B-BA00-BA1C74164DBD}" type="datetime1">
               <a:rPr lang="en-US" smtClean="0"/>
               <a:pPr/>
-              <a:t>2/28/2017</a:t>
+              <a:t>3/29/2017</a:t>
             </a:fld>
             <a:endParaRPr lang="en-US" dirty="0"/>
           </a:p>
@@ -5682,7 +5682,7 @@
                 </a:solidFill>
               </a:rPr>
               <a:pPr/>
-              <a:t>2/28/2017</a:t>
+              <a:t>3/29/2017</a:t>
             </a:fld>
             <a:endParaRPr lang="en-US" dirty="0">
               <a:solidFill>
@@ -6899,7 +6899,7 @@
         <p:spPr>
           <a:xfrm>
             <a:off x="4342852" y="1891115"/>
-            <a:ext cx="7675056" cy="4090367"/>
+            <a:ext cx="7675056" cy="4090366"/>
           </a:xfrm>
           <a:prstGeom prst="rect">
             <a:avLst/>
@@ -7140,7 +7140,7 @@
         <p:spPr>
           <a:xfrm>
             <a:off x="1522412" y="1895433"/>
-            <a:ext cx="8686800" cy="4629568"/>
+            <a:ext cx="8686799" cy="4629568"/>
           </a:xfrm>
           <a:prstGeom prst="rect">
             <a:avLst/>
@@ -7332,8 +7332,8 @@
         </p:blipFill>
         <p:spPr>
           <a:xfrm>
-            <a:off x="5342896" y="2085862"/>
-            <a:ext cx="1499855" cy="809738"/>
+            <a:off x="5399378" y="2085862"/>
+            <a:ext cx="1386891" cy="809738"/>
           </a:xfrm>
           <a:prstGeom prst="rect">
             <a:avLst/>
@@ -7348,21 +7348,22 @@
           </p:cNvPicPr>
           <p:nvPr/>
         </p:nvPicPr>
-        <p:blipFill rotWithShape="1">
-          <a:blip r:embed="rId3" cstate="print">
+        <p:blipFill>
+          <a:blip r:embed="rId3">
             <a:extLst>
               <a:ext uri="{28A0092B-C50C-407E-A947-70E740481C1C}">
                 <a14:useLocalDpi xmlns:a14="http://schemas.microsoft.com/office/drawing/2010/main" val="0"/>
               </a:ext>
             </a:extLst>
           </a:blip>
-          <a:srcRect/>
-          <a:stretch/>
+          <a:stretch>
+            <a:fillRect/>
+          </a:stretch>
         </p:blipFill>
         <p:spPr>
           <a:xfrm>
-            <a:off x="2513012" y="4267200"/>
-            <a:ext cx="7543801" cy="1571628"/>
+            <a:off x="2513012" y="4306659"/>
+            <a:ext cx="7543801" cy="1492710"/>
           </a:xfrm>
           <a:prstGeom prst="rect">
             <a:avLst/>
@@ -7684,7 +7685,7 @@
         <p:spPr>
           <a:xfrm>
             <a:off x="455612" y="475844"/>
-            <a:ext cx="7086600" cy="3776754"/>
+            <a:ext cx="7086600" cy="3776753"/>
           </a:xfrm>
           <a:prstGeom prst="rect">
             <a:avLst/>
@@ -7699,21 +7700,22 @@
           </p:cNvPicPr>
           <p:nvPr/>
         </p:nvPicPr>
-        <p:blipFill rotWithShape="1">
-          <a:blip r:embed="rId3" cstate="print">
+        <p:blipFill>
+          <a:blip r:embed="rId3">
             <a:extLst>
               <a:ext uri="{28A0092B-C50C-407E-A947-70E740481C1C}">
                 <a14:useLocalDpi xmlns:a14="http://schemas.microsoft.com/office/drawing/2010/main" val="0"/>
               </a:ext>
             </a:extLst>
           </a:blip>
-          <a:srcRect t="29364" r="72727"/>
-          <a:stretch/>
+          <a:stretch>
+            <a:fillRect/>
+          </a:stretch>
         </p:blipFill>
         <p:spPr>
           <a:xfrm>
-            <a:off x="7618412" y="856050"/>
-            <a:ext cx="2514600" cy="699726"/>
+            <a:off x="7694612" y="982864"/>
+            <a:ext cx="2514600" cy="497569"/>
           </a:xfrm>
           <a:prstGeom prst="rect">
             <a:avLst/>
@@ -11256,21 +11258,22 @@
           </p:cNvPicPr>
           <p:nvPr/>
         </p:nvPicPr>
-        <p:blipFill rotWithShape="1">
-          <a:blip r:embed="rId3" cstate="print">
+        <p:blipFill>
+          <a:blip r:embed="rId3">
             <a:extLst>
               <a:ext uri="{28A0092B-C50C-407E-A947-70E740481C1C}">
                 <a14:useLocalDpi xmlns:a14="http://schemas.microsoft.com/office/drawing/2010/main" val="0"/>
               </a:ext>
             </a:extLst>
           </a:blip>
-          <a:srcRect t="24013" r="73619"/>
-          <a:stretch/>
+          <a:stretch>
+            <a:fillRect/>
+          </a:stretch>
         </p:blipFill>
         <p:spPr>
           <a:xfrm>
-            <a:off x="3114583" y="2286000"/>
-            <a:ext cx="5959659" cy="1407005"/>
+            <a:off x="3114583" y="2399876"/>
+            <a:ext cx="5959659" cy="1179252"/>
           </a:xfrm>
           <a:prstGeom prst="rect">
             <a:avLst/>
@@ -11839,8 +11842,8 @@
         </p:blipFill>
         <p:spPr>
           <a:xfrm>
-            <a:off x="4951412" y="1618702"/>
-            <a:ext cx="6925652" cy="1145257"/>
+            <a:off x="5322845" y="1618702"/>
+            <a:ext cx="6182786" cy="1145257"/>
           </a:xfrm>
           <a:prstGeom prst="rect">
             <a:avLst/>
@@ -11869,8 +11872,8 @@
         </p:blipFill>
         <p:spPr>
           <a:xfrm>
-            <a:off x="6089682" y="3062608"/>
-            <a:ext cx="5505622" cy="1950508"/>
+            <a:off x="6390937" y="3062608"/>
+            <a:ext cx="4903111" cy="1950508"/>
           </a:xfrm>
           <a:prstGeom prst="rect">
             <a:avLst/>
@@ -11899,8 +11902,8 @@
         </p:blipFill>
         <p:spPr>
           <a:xfrm>
-            <a:off x="7618412" y="5337891"/>
-            <a:ext cx="3009640" cy="1298620"/>
+            <a:off x="7621161" y="5337891"/>
+            <a:ext cx="3004141" cy="1298620"/>
           </a:xfrm>
           <a:prstGeom prst="rect">
             <a:avLst/>

--- a/1. First-Steps-in-Coding/1. First-Steps-in-Coding.pptx
+++ b/1. First-Steps-in-Coding/1. First-Steps-in-Coding.pptx
@@ -244,7 +244,7 @@
             <a:fld id="{FE5B4EDC-59C0-49C7-8ADA-5A781B329E02}" type="datetimeFigureOut">
               <a:rPr lang="en-US"/>
               <a:pPr/>
-              <a:t>3/29/2017</a:t>
+              <a:t>4/12/2017</a:t>
             </a:fld>
             <a:endParaRPr dirty="0"/>
           </a:p>
@@ -443,7 +443,7 @@
             <a:fld id="{F2D8D46A-B586-417D-BFBD-8C8FE0AAF762}" type="datetimeFigureOut">
               <a:rPr lang="en-US" smtClean="0"/>
               <a:pPr/>
-              <a:t>3/29/2017</a:t>
+              <a:t>4/12/2017</a:t>
             </a:fld>
             <a:endParaRPr lang="en-US"/>
           </a:p>
@@ -2600,7 +2600,7 @@
             <a:fld id="{055373AC-9AA7-423B-BA00-BA1C74164DBD}" type="datetime1">
               <a:rPr lang="en-US" smtClean="0"/>
               <a:pPr/>
-              <a:t>3/29/2017</a:t>
+              <a:t>4/12/2017</a:t>
             </a:fld>
             <a:endParaRPr lang="en-US" dirty="0"/>
           </a:p>
@@ -3767,7 +3767,7 @@
                 </a:solidFill>
               </a:rPr>
               <a:pPr/>
-              <a:t>3/29/2017</a:t>
+              <a:t>4/12/2017</a:t>
             </a:fld>
             <a:endParaRPr lang="en-US" dirty="0">
               <a:solidFill>
@@ -5049,7 +5049,7 @@
             <a:fld id="{055373AC-9AA7-423B-BA00-BA1C74164DBD}" type="datetime1">
               <a:rPr lang="en-US" smtClean="0"/>
               <a:pPr/>
-              <a:t>3/29/2017</a:t>
+              <a:t>4/12/2017</a:t>
             </a:fld>
             <a:endParaRPr lang="en-US" dirty="0"/>
           </a:p>
@@ -5682,7 +5682,7 @@
                 </a:solidFill>
               </a:rPr>
               <a:pPr/>
-              <a:t>3/29/2017</a:t>
+              <a:t>4/12/2017</a:t>
             </a:fld>
             <a:endParaRPr lang="en-US" dirty="0">
               <a:solidFill>
@@ -7497,7 +7497,11 @@
               <a:rPr lang="en-US" dirty="0" smtClean="0">
                 <a:hlinkClick r:id="rId2"/>
               </a:rPr>
-              <a:t>judge.softuni.bg/Contests/150/First-Steps-in-Coding</a:t>
+              <a:t>judge.softuni.bg/Contests/Practice/Index/486#0</a:t>
+            </a:r>
+            <a:r>
+              <a:rPr lang="en-US" dirty="0" smtClean="0"/>
+              <a:t> </a:t>
             </a:r>
             <a:endParaRPr lang="en-US" dirty="0"/>
           </a:p>
@@ -7538,21 +7542,22 @@
           </p:cNvPicPr>
           <p:nvPr/>
         </p:nvPicPr>
-        <p:blipFill rotWithShape="1">
-          <a:blip r:embed="rId3" cstate="print">
+        <p:blipFill>
+          <a:blip r:embed="rId3">
             <a:extLst>
               <a:ext uri="{28A0092B-C50C-407E-A947-70E740481C1C}">
                 <a14:useLocalDpi xmlns:a14="http://schemas.microsoft.com/office/drawing/2010/main" val="0"/>
               </a:ext>
             </a:extLst>
           </a:blip>
-          <a:srcRect/>
-          <a:stretch/>
+          <a:stretch>
+            <a:fillRect/>
+          </a:stretch>
         </p:blipFill>
         <p:spPr>
           <a:xfrm>
-            <a:off x="2284412" y="2514600"/>
-            <a:ext cx="7297775" cy="3657600"/>
+            <a:off x="2680512" y="2514600"/>
+            <a:ext cx="6505575" cy="3657600"/>
           </a:xfrm>
           <a:prstGeom prst="rect">
             <a:avLst/>
@@ -7730,7 +7735,7 @@
           </p:cNvPicPr>
           <p:nvPr/>
         </p:nvPicPr>
-        <p:blipFill rotWithShape="1">
+        <p:blipFill>
           <a:blip r:embed="rId4" cstate="print">
             <a:extLst>
               <a:ext uri="{28A0092B-C50C-407E-A947-70E740481C1C}">
@@ -7738,13 +7743,14 @@
               </a:ext>
             </a:extLst>
           </a:blip>
-          <a:srcRect/>
-          <a:stretch/>
+          <a:stretch>
+            <a:fillRect/>
+          </a:stretch>
         </p:blipFill>
         <p:spPr>
           <a:xfrm>
-            <a:off x="4341812" y="1652226"/>
-            <a:ext cx="6200940" cy="3107873"/>
+            <a:off x="4678379" y="1652226"/>
+            <a:ext cx="5527805" cy="3107873"/>
           </a:xfrm>
           <a:prstGeom prst="rect">
             <a:avLst/>
